--- a/attachments/CV.pptx
+++ b/attachments/CV.pptx
@@ -5637,7 +5637,7 @@
           <p:nvPr>
             <p:extLst>
               <p:ext uri="{D42A27DB-BD31-4B8C-83A1-F6EECF244321}">
-                <p14:modId xmlns:p14="http://schemas.microsoft.com/office/powerpoint/2010/main" val="1828833504"/>
+                <p14:modId xmlns:p14="http://schemas.microsoft.com/office/powerpoint/2010/main" val="381105531"/>
               </p:ext>
             </p:extLst>
           </p:nvPr>
@@ -6386,7 +6386,22 @@
                           <a:ea typeface="+mn-ea"/>
                           <a:cs typeface="Calibri"/>
                         </a:rPr>
-                        <a:t>vds, apache2 (proxy), python, jupyter labs), </a:t>
+                        <a:t>vds, apache2 (proxy), python, </a:t>
+                      </a:r>
+                      <a:r>
+                        <a:rPr lang="fr-FR" sz="1200" kern="1200">
+                          <a:solidFill>
+                            <a:schemeClr val="tx1">
+                              <a:lumMod val="75000"/>
+                              <a:lumOff val="25000"/>
+                            </a:schemeClr>
+                          </a:solidFill>
+                          <a:effectLst/>
+                          <a:latin typeface="+mn-lt"/>
+                          <a:ea typeface="+mn-ea"/>
+                          <a:cs typeface="Calibri"/>
+                        </a:rPr>
+                        <a:t>jupyter labs, </a:t>
                       </a:r>
                       <a:r>
                         <a:rPr lang="en-US" sz="1200" kern="1200" dirty="0">
